--- a/tests/testthat/temp_rich_fullslide.pptx
+++ b/tests/testthat/temp_rich_fullslide.pptx
@@ -509,7 +509,7 @@
             <a:r>
               <a:rPr/>
               <a:t>
-Powerpoint file location: ./temp_rich_fullslide.pptx</a:t>
+Powerpoint file location: /Users/mbbowes/Documents/GitHub/grattantheme/tests/testthat/temp_rich_fullslide.pptx</a:t>
             </a:r>
           </a:p>
         </p:txBody>
